--- a/BanDoNoiThat/Website-bán-đồ-nội-thất.pptx
+++ b/BanDoNoiThat/Website-bán-đồ-nội-thất.pptx
@@ -296,7 +296,7 @@
             <a:fld id="{87DE6118-2437-4B30-8E3C-4D2BE6020583}" type="datetimeFigureOut">
               <a:rPr lang="en-US"/>
               <a:pPr/>
-              <a:t>3/1/2021</a:t>
+              <a:t>3/2/2021</a:t>
             </a:fld>
             <a:endParaRPr lang="en-US"/>
           </a:p>
@@ -622,7 +622,7 @@
           <a:p>
             <a:fld id="{87DE6118-2437-4B30-8E3C-4D2BE6020583}" type="datetimeFigureOut">
               <a:rPr lang="en-US"/>
-              <a:t>3/1/2021</a:t>
+              <a:t>3/2/2021</a:t>
             </a:fld>
             <a:endParaRPr lang="en-US"/>
           </a:p>
@@ -797,7 +797,7 @@
           <a:p>
             <a:fld id="{87DE6118-2437-4B30-8E3C-4D2BE6020583}" type="datetimeFigureOut">
               <a:rPr lang="en-US"/>
-              <a:t>3/1/2021</a:t>
+              <a:t>3/2/2021</a:t>
             </a:fld>
             <a:endParaRPr lang="en-US"/>
           </a:p>
@@ -962,7 +962,7 @@
           <a:p>
             <a:fld id="{87DE6118-2437-4B30-8E3C-4D2BE6020583}" type="datetimeFigureOut">
               <a:rPr lang="en-US"/>
-              <a:t>3/1/2021</a:t>
+              <a:t>3/2/2021</a:t>
             </a:fld>
             <a:endParaRPr lang="en-US"/>
           </a:p>
@@ -1235,7 +1235,7 @@
             <a:fld id="{87DE6118-2437-4B30-8E3C-4D2BE6020583}" type="datetimeFigureOut">
               <a:rPr lang="en-US"/>
               <a:pPr/>
-              <a:t>3/1/2021</a:t>
+              <a:t>3/2/2021</a:t>
             </a:fld>
             <a:endParaRPr lang="en-US"/>
           </a:p>
@@ -1625,7 +1625,7 @@
           <a:p>
             <a:fld id="{87DE6118-2437-4B30-8E3C-4D2BE6020583}" type="datetimeFigureOut">
               <a:rPr lang="en-US"/>
-              <a:t>3/1/2021</a:t>
+              <a:t>3/2/2021</a:t>
             </a:fld>
             <a:endParaRPr lang="en-US"/>
           </a:p>
@@ -2097,7 +2097,7 @@
           <a:p>
             <a:fld id="{87DE6118-2437-4B30-8E3C-4D2BE6020583}" type="datetimeFigureOut">
               <a:rPr lang="en-US"/>
-              <a:t>3/1/2021</a:t>
+              <a:t>3/2/2021</a:t>
             </a:fld>
             <a:endParaRPr lang="en-US"/>
           </a:p>
@@ -2210,7 +2210,7 @@
           <a:p>
             <a:fld id="{87DE6118-2437-4B30-8E3C-4D2BE6020583}" type="datetimeFigureOut">
               <a:rPr lang="en-US"/>
-              <a:t>3/1/2021</a:t>
+              <a:t>3/2/2021</a:t>
             </a:fld>
             <a:endParaRPr lang="en-US"/>
           </a:p>
@@ -2300,7 +2300,7 @@
           <a:p>
             <a:fld id="{87DE6118-2437-4B30-8E3C-4D2BE6020583}" type="datetimeFigureOut">
               <a:rPr lang="en-US"/>
-              <a:t>3/1/2021</a:t>
+              <a:t>3/2/2021</a:t>
             </a:fld>
             <a:endParaRPr lang="en-US"/>
           </a:p>
@@ -2642,7 +2642,7 @@
             <a:fld id="{87DE6118-2437-4B30-8E3C-4D2BE6020583}" type="datetimeFigureOut">
               <a:rPr lang="en-US"/>
               <a:pPr/>
-              <a:t>3/1/2021</a:t>
+              <a:t>3/2/2021</a:t>
             </a:fld>
             <a:endParaRPr lang="en-US"/>
           </a:p>
@@ -3027,7 +3027,7 @@
             <a:fld id="{87DE6118-2437-4B30-8E3C-4D2BE6020583}" type="datetimeFigureOut">
               <a:rPr lang="en-US"/>
               <a:pPr/>
-              <a:t>3/1/2021</a:t>
+              <a:t>3/2/2021</a:t>
             </a:fld>
             <a:endParaRPr lang="en-US"/>
           </a:p>
@@ -3302,7 +3302,7 @@
             <a:fld id="{87DE6118-2437-4B30-8E3C-4D2BE6020583}" type="datetimeFigureOut">
               <a:rPr lang="en-US"/>
               <a:pPr/>
-              <a:t>3/1/2021</a:t>
+              <a:t>3/2/2021</a:t>
             </a:fld>
             <a:endParaRPr lang="en-US"/>
           </a:p>
@@ -4905,6 +4905,13 @@
   <p:clrMapOvr>
     <a:masterClrMapping/>
   </p:clrMapOvr>
+  <p:timing>
+    <p:tnLst>
+      <p:par>
+        <p:cTn id="1" dur="indefinite" restart="never" nodeType="tmRoot"/>
+      </p:par>
+    </p:tnLst>
+  </p:timing>
 </p:sld>
 </file>
 
@@ -4959,7 +4966,7 @@
       </p:sp>
       <p:pic>
         <p:nvPicPr>
-          <p:cNvPr id="4" name="Picture 3"/>
+          <p:cNvPr id="3" name="Picture 2"/>
           <p:cNvPicPr>
             <a:picLocks noChangeAspect="1"/>
           </p:cNvPicPr>
@@ -4973,8 +4980,8 @@
         </p:blipFill>
         <p:spPr>
           <a:xfrm>
-            <a:off x="1305099" y="894983"/>
-            <a:ext cx="10424160" cy="5638821"/>
+            <a:off x="847899" y="1018360"/>
+            <a:ext cx="11047614" cy="5839640"/>
           </a:xfrm>
           <a:prstGeom prst="rect">
             <a:avLst/>
@@ -4991,6 +4998,13 @@
   <p:clrMapOvr>
     <a:masterClrMapping/>
   </p:clrMapOvr>
+  <p:timing>
+    <p:tnLst>
+      <p:par>
+        <p:cTn id="1" dur="indefinite" restart="never" nodeType="tmRoot"/>
+      </p:par>
+    </p:tnLst>
+  </p:timing>
 </p:sld>
 </file>
 
@@ -6209,7 +6223,21 @@
                 <a:latin typeface="Times New Roman" panose="02020603050405020304" pitchFamily="18" charset="0"/>
                 <a:cs typeface="Times New Roman" panose="02020603050405020304" pitchFamily="18" charset="0"/>
               </a:rPr>
-              <a:t>Khách hang (có tài khoản / không có tài khoản) </a:t>
+              <a:t>Khách </a:t>
+            </a:r>
+            <a:r>
+              <a:rPr lang="en-US" smtClean="0">
+                <a:latin typeface="Times New Roman" panose="02020603050405020304" pitchFamily="18" charset="0"/>
+                <a:cs typeface="Times New Roman" panose="02020603050405020304" pitchFamily="18" charset="0"/>
+              </a:rPr>
+              <a:t>hàng </a:t>
+            </a:r>
+            <a:r>
+              <a:rPr lang="en-US" smtClean="0">
+                <a:latin typeface="Times New Roman" panose="02020603050405020304" pitchFamily="18" charset="0"/>
+                <a:cs typeface="Times New Roman" panose="02020603050405020304" pitchFamily="18" charset="0"/>
+              </a:rPr>
+              <a:t>(có tài khoản / không có tài khoản) </a:t>
             </a:r>
             <a:endParaRPr lang="en-US">
               <a:latin typeface="Times New Roman" panose="02020603050405020304" pitchFamily="18" charset="0"/>
@@ -7172,14 +7200,7 @@
                 <a:latin typeface="Times New Roman" panose="02020603050405020304" pitchFamily="18" charset="0"/>
                 <a:cs typeface="Times New Roman" panose="02020603050405020304" pitchFamily="18" charset="0"/>
               </a:rPr>
-              <a:t>hang</a:t>
-            </a:r>
-            <a:r>
-              <a:rPr lang="en-US" sz="1800" smtClean="0">
-                <a:latin typeface="Times New Roman" panose="02020603050405020304" pitchFamily="18" charset="0"/>
-                <a:cs typeface="Times New Roman" panose="02020603050405020304" pitchFamily="18" charset="0"/>
-              </a:rPr>
-              <a:t>,để lại bình luận về hàng</a:t>
+              <a:t>hang,để lại bình luận về hàng</a:t>
             </a:r>
             <a:endParaRPr lang="en-US" sz="1800" dirty="0">
               <a:latin typeface="Times New Roman" panose="02020603050405020304" pitchFamily="18" charset="0"/>
@@ -7611,7 +7632,7 @@
         <p:spPr>
           <a:xfrm>
             <a:off x="1784430" y="2277319"/>
-            <a:ext cx="8623140" cy="2585323"/>
+            <a:ext cx="8623140" cy="2308324"/>
           </a:xfrm>
           <a:prstGeom prst="rect">
             <a:avLst/>
@@ -8142,19 +8163,30 @@
               <a:t> </a:t>
             </a:r>
             <a:r>
-              <a:rPr lang="en-US" dirty="0" err="1">
+              <a:rPr lang="en-US" err="1">
                 <a:latin typeface="Times New Roman" panose="02020603050405020304" pitchFamily="18" charset="0"/>
                 <a:cs typeface="Times New Roman" panose="02020603050405020304" pitchFamily="18" charset="0"/>
               </a:rPr>
               <a:t>mặt</a:t>
             </a:r>
             <a:r>
-              <a:rPr lang="en-US" dirty="0">
-                <a:latin typeface="Times New Roman" panose="02020603050405020304" pitchFamily="18" charset="0"/>
-                <a:cs typeface="Times New Roman" panose="02020603050405020304" pitchFamily="18" charset="0"/>
-              </a:rPr>
-              <a:t> hang</a:t>
-            </a:r>
+              <a:rPr lang="en-US">
+                <a:latin typeface="Times New Roman" panose="02020603050405020304" pitchFamily="18" charset="0"/>
+                <a:cs typeface="Times New Roman" panose="02020603050405020304" pitchFamily="18" charset="0"/>
+              </a:rPr>
+              <a:t> </a:t>
+            </a:r>
+            <a:r>
+              <a:rPr lang="en-US" smtClean="0">
+                <a:latin typeface="Times New Roman" panose="02020603050405020304" pitchFamily="18" charset="0"/>
+                <a:cs typeface="Times New Roman" panose="02020603050405020304" pitchFamily="18" charset="0"/>
+              </a:rPr>
+              <a:t>hàng</a:t>
+            </a:r>
+            <a:endParaRPr lang="en-US" dirty="0">
+              <a:latin typeface="Times New Roman" panose="02020603050405020304" pitchFamily="18" charset="0"/>
+              <a:cs typeface="Times New Roman" panose="02020603050405020304" pitchFamily="18" charset="0"/>
+            </a:endParaRPr>
           </a:p>
           <a:p>
             <a:pPr marL="404813" indent="-123825">
@@ -8169,11 +8201,32 @@
               <a:t>	</a:t>
             </a:r>
             <a:r>
+              <a:rPr lang="en-US" err="1">
+                <a:latin typeface="Times New Roman" panose="02020603050405020304" pitchFamily="18" charset="0"/>
+                <a:cs typeface="Times New Roman" panose="02020603050405020304" pitchFamily="18" charset="0"/>
+              </a:rPr>
+              <a:t>Được</a:t>
+            </a:r>
+            <a:r>
+              <a:rPr lang="en-US">
+                <a:latin typeface="Times New Roman" panose="02020603050405020304" pitchFamily="18" charset="0"/>
+                <a:cs typeface="Times New Roman" panose="02020603050405020304" pitchFamily="18" charset="0"/>
+              </a:rPr>
+              <a:t> </a:t>
+            </a:r>
+            <a:r>
+              <a:rPr lang="en-US" smtClean="0">
+                <a:latin typeface="Times New Roman" panose="02020603050405020304" pitchFamily="18" charset="0"/>
+                <a:cs typeface="Times New Roman" panose="02020603050405020304" pitchFamily="18" charset="0"/>
+              </a:rPr>
+              <a:t>quyền </a:t>
+            </a:r>
+            <a:r>
               <a:rPr lang="en-US" dirty="0" err="1">
                 <a:latin typeface="Times New Roman" panose="02020603050405020304" pitchFamily="18" charset="0"/>
                 <a:cs typeface="Times New Roman" panose="02020603050405020304" pitchFamily="18" charset="0"/>
               </a:rPr>
-              <a:t>Được</a:t>
+              <a:t>xóa</a:t>
             </a:r>
             <a:r>
               <a:rPr lang="en-US" dirty="0">
@@ -8187,7 +8240,7 @@
                 <a:latin typeface="Times New Roman" panose="02020603050405020304" pitchFamily="18" charset="0"/>
                 <a:cs typeface="Times New Roman" panose="02020603050405020304" pitchFamily="18" charset="0"/>
               </a:rPr>
-              <a:t>quyên</a:t>
+              <a:t>các</a:t>
             </a:r>
             <a:r>
               <a:rPr lang="en-US" dirty="0">
@@ -8197,11 +8250,32 @@
               <a:t> </a:t>
             </a:r>
             <a:r>
+              <a:rPr lang="en-US" err="1">
+                <a:latin typeface="Times New Roman" panose="02020603050405020304" pitchFamily="18" charset="0"/>
+                <a:cs typeface="Times New Roman" panose="02020603050405020304" pitchFamily="18" charset="0"/>
+              </a:rPr>
+              <a:t>mặt</a:t>
+            </a:r>
+            <a:r>
+              <a:rPr lang="en-US">
+                <a:latin typeface="Times New Roman" panose="02020603050405020304" pitchFamily="18" charset="0"/>
+                <a:cs typeface="Times New Roman" panose="02020603050405020304" pitchFamily="18" charset="0"/>
+              </a:rPr>
+              <a:t> </a:t>
+            </a:r>
+            <a:r>
+              <a:rPr lang="en-US" smtClean="0">
+                <a:latin typeface="Times New Roman" panose="02020603050405020304" pitchFamily="18" charset="0"/>
+                <a:cs typeface="Times New Roman" panose="02020603050405020304" pitchFamily="18" charset="0"/>
+              </a:rPr>
+              <a:t>hàng </a:t>
+            </a:r>
+            <a:r>
               <a:rPr lang="en-US" dirty="0" err="1">
                 <a:latin typeface="Times New Roman" panose="02020603050405020304" pitchFamily="18" charset="0"/>
                 <a:cs typeface="Times New Roman" panose="02020603050405020304" pitchFamily="18" charset="0"/>
               </a:rPr>
-              <a:t>xóa</a:t>
+              <a:t>khi</a:t>
             </a:r>
             <a:r>
               <a:rPr lang="en-US" dirty="0">
@@ -8211,11 +8285,32 @@
               <a:t> </a:t>
             </a:r>
             <a:r>
+              <a:rPr lang="en-US" err="1">
+                <a:latin typeface="Times New Roman" panose="02020603050405020304" pitchFamily="18" charset="0"/>
+                <a:cs typeface="Times New Roman" panose="02020603050405020304" pitchFamily="18" charset="0"/>
+              </a:rPr>
+              <a:t>cửa</a:t>
+            </a:r>
+            <a:r>
+              <a:rPr lang="en-US">
+                <a:latin typeface="Times New Roman" panose="02020603050405020304" pitchFamily="18" charset="0"/>
+                <a:cs typeface="Times New Roman" panose="02020603050405020304" pitchFamily="18" charset="0"/>
+              </a:rPr>
+              <a:t> </a:t>
+            </a:r>
+            <a:r>
+              <a:rPr lang="en-US" smtClean="0">
+                <a:latin typeface="Times New Roman" panose="02020603050405020304" pitchFamily="18" charset="0"/>
+                <a:cs typeface="Times New Roman" panose="02020603050405020304" pitchFamily="18" charset="0"/>
+              </a:rPr>
+              <a:t>hàng </a:t>
+            </a:r>
+            <a:r>
               <a:rPr lang="en-US" dirty="0" err="1">
                 <a:latin typeface="Times New Roman" panose="02020603050405020304" pitchFamily="18" charset="0"/>
                 <a:cs typeface="Times New Roman" panose="02020603050405020304" pitchFamily="18" charset="0"/>
               </a:rPr>
-              <a:t>các</a:t>
+              <a:t>không</a:t>
             </a:r>
             <a:r>
               <a:rPr lang="en-US" dirty="0">
@@ -8229,112 +8324,56 @@
                 <a:latin typeface="Times New Roman" panose="02020603050405020304" pitchFamily="18" charset="0"/>
                 <a:cs typeface="Times New Roman" panose="02020603050405020304" pitchFamily="18" charset="0"/>
               </a:rPr>
+              <a:t>còn</a:t>
+            </a:r>
+            <a:r>
+              <a:rPr lang="en-US" dirty="0">
+                <a:latin typeface="Times New Roman" panose="02020603050405020304" pitchFamily="18" charset="0"/>
+                <a:cs typeface="Times New Roman" panose="02020603050405020304" pitchFamily="18" charset="0"/>
+              </a:rPr>
+              <a:t> </a:t>
+            </a:r>
+            <a:r>
+              <a:rPr lang="en-US" err="1">
+                <a:latin typeface="Times New Roman" panose="02020603050405020304" pitchFamily="18" charset="0"/>
+                <a:cs typeface="Times New Roman" panose="02020603050405020304" pitchFamily="18" charset="0"/>
+              </a:rPr>
+              <a:t>kinh</a:t>
+            </a:r>
+            <a:r>
+              <a:rPr lang="en-US">
+                <a:latin typeface="Times New Roman" panose="02020603050405020304" pitchFamily="18" charset="0"/>
+                <a:cs typeface="Times New Roman" panose="02020603050405020304" pitchFamily="18" charset="0"/>
+              </a:rPr>
+              <a:t> </a:t>
+            </a:r>
+            <a:r>
+              <a:rPr lang="en-US" smtClean="0">
+                <a:latin typeface="Times New Roman" panose="02020603050405020304" pitchFamily="18" charset="0"/>
+                <a:cs typeface="Times New Roman" panose="02020603050405020304" pitchFamily="18" charset="0"/>
+              </a:rPr>
+              <a:t>doanh </a:t>
+            </a:r>
+            <a:r>
+              <a:rPr lang="en-US" err="1">
+                <a:latin typeface="Times New Roman" panose="02020603050405020304" pitchFamily="18" charset="0"/>
+                <a:cs typeface="Times New Roman" panose="02020603050405020304" pitchFamily="18" charset="0"/>
+              </a:rPr>
               <a:t>mặt</a:t>
             </a:r>
             <a:r>
-              <a:rPr lang="en-US" dirty="0">
-                <a:latin typeface="Times New Roman" panose="02020603050405020304" pitchFamily="18" charset="0"/>
-                <a:cs typeface="Times New Roman" panose="02020603050405020304" pitchFamily="18" charset="0"/>
-              </a:rPr>
-              <a:t> hang </a:t>
-            </a:r>
-            <a:r>
-              <a:rPr lang="en-US" dirty="0" err="1">
-                <a:latin typeface="Times New Roman" panose="02020603050405020304" pitchFamily="18" charset="0"/>
-                <a:cs typeface="Times New Roman" panose="02020603050405020304" pitchFamily="18" charset="0"/>
-              </a:rPr>
-              <a:t>khi</a:t>
-            </a:r>
-            <a:r>
-              <a:rPr lang="en-US" dirty="0">
-                <a:latin typeface="Times New Roman" panose="02020603050405020304" pitchFamily="18" charset="0"/>
-                <a:cs typeface="Times New Roman" panose="02020603050405020304" pitchFamily="18" charset="0"/>
-              </a:rPr>
-              <a:t> </a:t>
-            </a:r>
-            <a:r>
-              <a:rPr lang="en-US" dirty="0" err="1">
-                <a:latin typeface="Times New Roman" panose="02020603050405020304" pitchFamily="18" charset="0"/>
-                <a:cs typeface="Times New Roman" panose="02020603050405020304" pitchFamily="18" charset="0"/>
-              </a:rPr>
-              <a:t>cửa</a:t>
-            </a:r>
-            <a:r>
-              <a:rPr lang="en-US" dirty="0">
-                <a:latin typeface="Times New Roman" panose="02020603050405020304" pitchFamily="18" charset="0"/>
-                <a:cs typeface="Times New Roman" panose="02020603050405020304" pitchFamily="18" charset="0"/>
-              </a:rPr>
-              <a:t> hang </a:t>
-            </a:r>
-            <a:r>
-              <a:rPr lang="en-US" dirty="0" err="1">
-                <a:latin typeface="Times New Roman" panose="02020603050405020304" pitchFamily="18" charset="0"/>
-                <a:cs typeface="Times New Roman" panose="02020603050405020304" pitchFamily="18" charset="0"/>
-              </a:rPr>
-              <a:t>không</a:t>
-            </a:r>
-            <a:r>
-              <a:rPr lang="en-US" dirty="0">
-                <a:latin typeface="Times New Roman" panose="02020603050405020304" pitchFamily="18" charset="0"/>
-                <a:cs typeface="Times New Roman" panose="02020603050405020304" pitchFamily="18" charset="0"/>
-              </a:rPr>
-              <a:t> </a:t>
-            </a:r>
-            <a:r>
-              <a:rPr lang="en-US" dirty="0" err="1">
-                <a:latin typeface="Times New Roman" panose="02020603050405020304" pitchFamily="18" charset="0"/>
-                <a:cs typeface="Times New Roman" panose="02020603050405020304" pitchFamily="18" charset="0"/>
-              </a:rPr>
-              <a:t>còn</a:t>
-            </a:r>
-            <a:r>
-              <a:rPr lang="en-US" dirty="0">
-                <a:latin typeface="Times New Roman" panose="02020603050405020304" pitchFamily="18" charset="0"/>
-                <a:cs typeface="Times New Roman" panose="02020603050405020304" pitchFamily="18" charset="0"/>
-              </a:rPr>
-              <a:t> </a:t>
-            </a:r>
-            <a:r>
-              <a:rPr lang="en-US" dirty="0" err="1">
-                <a:latin typeface="Times New Roman" panose="02020603050405020304" pitchFamily="18" charset="0"/>
-                <a:cs typeface="Times New Roman" panose="02020603050405020304" pitchFamily="18" charset="0"/>
-              </a:rPr>
-              <a:t>kinh</a:t>
-            </a:r>
-            <a:r>
-              <a:rPr lang="en-US" dirty="0">
-                <a:latin typeface="Times New Roman" panose="02020603050405020304" pitchFamily="18" charset="0"/>
-                <a:cs typeface="Times New Roman" panose="02020603050405020304" pitchFamily="18" charset="0"/>
-              </a:rPr>
-              <a:t> </a:t>
-            </a:r>
-            <a:r>
-              <a:rPr lang="en-US" dirty="0" err="1">
-                <a:latin typeface="Times New Roman" panose="02020603050405020304" pitchFamily="18" charset="0"/>
-                <a:cs typeface="Times New Roman" panose="02020603050405020304" pitchFamily="18" charset="0"/>
-              </a:rPr>
-              <a:t>doang</a:t>
-            </a:r>
-            <a:r>
-              <a:rPr lang="en-US" dirty="0">
-                <a:latin typeface="Times New Roman" panose="02020603050405020304" pitchFamily="18" charset="0"/>
-                <a:cs typeface="Times New Roman" panose="02020603050405020304" pitchFamily="18" charset="0"/>
-              </a:rPr>
-              <a:t> </a:t>
-            </a:r>
-            <a:r>
-              <a:rPr lang="en-US" dirty="0" err="1">
-                <a:latin typeface="Times New Roman" panose="02020603050405020304" pitchFamily="18" charset="0"/>
-                <a:cs typeface="Times New Roman" panose="02020603050405020304" pitchFamily="18" charset="0"/>
-              </a:rPr>
-              <a:t>mặt</a:t>
-            </a:r>
-            <a:r>
-              <a:rPr lang="en-US" dirty="0">
-                <a:latin typeface="Times New Roman" panose="02020603050405020304" pitchFamily="18" charset="0"/>
-                <a:cs typeface="Times New Roman" panose="02020603050405020304" pitchFamily="18" charset="0"/>
-              </a:rPr>
-              <a:t> hang </a:t>
+              <a:rPr lang="en-US">
+                <a:latin typeface="Times New Roman" panose="02020603050405020304" pitchFamily="18" charset="0"/>
+                <a:cs typeface="Times New Roman" panose="02020603050405020304" pitchFamily="18" charset="0"/>
+              </a:rPr>
+              <a:t> </a:t>
+            </a:r>
+            <a:r>
+              <a:rPr lang="en-US" smtClean="0">
+                <a:latin typeface="Times New Roman" panose="02020603050405020304" pitchFamily="18" charset="0"/>
+                <a:cs typeface="Times New Roman" panose="02020603050405020304" pitchFamily="18" charset="0"/>
+              </a:rPr>
+              <a:t>hàng </a:t>
             </a:r>
             <a:r>
               <a:rPr lang="en-US" dirty="0" err="1">
@@ -8622,241 +8661,18 @@
               <a:buChar char="•"/>
             </a:pPr>
             <a:r>
-              <a:rPr lang="en-US" dirty="0">
+              <a:rPr lang="en-US">
                 <a:latin typeface="Times New Roman" panose="02020603050405020304" pitchFamily="18" charset="0"/>
                 <a:cs typeface="Times New Roman" panose="02020603050405020304" pitchFamily="18" charset="0"/>
               </a:rPr>
               <a:t>	</a:t>
             </a:r>
             <a:r>
-              <a:rPr lang="en-US" dirty="0" err="1">
-                <a:latin typeface="Times New Roman" panose="02020603050405020304" pitchFamily="18" charset="0"/>
-                <a:cs typeface="Times New Roman" panose="02020603050405020304" pitchFamily="18" charset="0"/>
-              </a:rPr>
-              <a:t>Phân</a:t>
-            </a:r>
-            <a:r>
-              <a:rPr lang="en-US" dirty="0">
-                <a:latin typeface="Times New Roman" panose="02020603050405020304" pitchFamily="18" charset="0"/>
-                <a:cs typeface="Times New Roman" panose="02020603050405020304" pitchFamily="18" charset="0"/>
-              </a:rPr>
-              <a:t> </a:t>
-            </a:r>
-            <a:r>
-              <a:rPr lang="en-US" dirty="0" err="1">
-                <a:latin typeface="Times New Roman" panose="02020603050405020304" pitchFamily="18" charset="0"/>
-                <a:cs typeface="Times New Roman" panose="02020603050405020304" pitchFamily="18" charset="0"/>
-              </a:rPr>
-              <a:t>quyền</a:t>
-            </a:r>
-            <a:r>
-              <a:rPr lang="en-US" dirty="0">
-                <a:latin typeface="Times New Roman" panose="02020603050405020304" pitchFamily="18" charset="0"/>
-                <a:cs typeface="Times New Roman" panose="02020603050405020304" pitchFamily="18" charset="0"/>
-              </a:rPr>
-              <a:t> </a:t>
-            </a:r>
-            <a:r>
-              <a:rPr lang="en-US" dirty="0" err="1">
-                <a:latin typeface="Times New Roman" panose="02020603050405020304" pitchFamily="18" charset="0"/>
-                <a:cs typeface="Times New Roman" panose="02020603050405020304" pitchFamily="18" charset="0"/>
-              </a:rPr>
-              <a:t>cho</a:t>
-            </a:r>
-            <a:r>
-              <a:rPr lang="en-US" dirty="0">
-                <a:latin typeface="Times New Roman" panose="02020603050405020304" pitchFamily="18" charset="0"/>
-                <a:cs typeface="Times New Roman" panose="02020603050405020304" pitchFamily="18" charset="0"/>
-              </a:rPr>
-              <a:t> </a:t>
-            </a:r>
-            <a:r>
-              <a:rPr lang="en-US" dirty="0" err="1">
-                <a:latin typeface="Times New Roman" panose="02020603050405020304" pitchFamily="18" charset="0"/>
-                <a:cs typeface="Times New Roman" panose="02020603050405020304" pitchFamily="18" charset="0"/>
-              </a:rPr>
-              <a:t>nhân</a:t>
-            </a:r>
-            <a:r>
-              <a:rPr lang="en-US" dirty="0">
-                <a:latin typeface="Times New Roman" panose="02020603050405020304" pitchFamily="18" charset="0"/>
-                <a:cs typeface="Times New Roman" panose="02020603050405020304" pitchFamily="18" charset="0"/>
-              </a:rPr>
-              <a:t> </a:t>
-            </a:r>
-            <a:r>
-              <a:rPr lang="en-US" dirty="0" err="1">
-                <a:latin typeface="Times New Roman" panose="02020603050405020304" pitchFamily="18" charset="0"/>
-                <a:cs typeface="Times New Roman" panose="02020603050405020304" pitchFamily="18" charset="0"/>
-              </a:rPr>
-              <a:t>viên</a:t>
-            </a:r>
-            <a:r>
-              <a:rPr lang="en-US" dirty="0">
-                <a:latin typeface="Times New Roman" panose="02020603050405020304" pitchFamily="18" charset="0"/>
-                <a:cs typeface="Times New Roman" panose="02020603050405020304" pitchFamily="18" charset="0"/>
-              </a:rPr>
-              <a:t> </a:t>
-            </a:r>
-            <a:r>
-              <a:rPr lang="en-US" dirty="0" err="1">
-                <a:latin typeface="Times New Roman" panose="02020603050405020304" pitchFamily="18" charset="0"/>
-                <a:cs typeface="Times New Roman" panose="02020603050405020304" pitchFamily="18" charset="0"/>
-              </a:rPr>
-              <a:t>cửa</a:t>
-            </a:r>
-            <a:r>
-              <a:rPr lang="en-US" dirty="0">
-                <a:latin typeface="Times New Roman" panose="02020603050405020304" pitchFamily="18" charset="0"/>
-                <a:cs typeface="Times New Roman" panose="02020603050405020304" pitchFamily="18" charset="0"/>
-              </a:rPr>
-              <a:t> hang </a:t>
-            </a:r>
-            <a:r>
-              <a:rPr lang="en-US" dirty="0" err="1">
-                <a:latin typeface="Times New Roman" panose="02020603050405020304" pitchFamily="18" charset="0"/>
-                <a:cs typeface="Times New Roman" panose="02020603050405020304" pitchFamily="18" charset="0"/>
-              </a:rPr>
-              <a:t>khi</a:t>
-            </a:r>
-            <a:r>
-              <a:rPr lang="en-US" dirty="0">
-                <a:latin typeface="Times New Roman" panose="02020603050405020304" pitchFamily="18" charset="0"/>
-                <a:cs typeface="Times New Roman" panose="02020603050405020304" pitchFamily="18" charset="0"/>
-              </a:rPr>
-              <a:t> </a:t>
-            </a:r>
-            <a:r>
-              <a:rPr lang="en-US" dirty="0" err="1">
-                <a:latin typeface="Times New Roman" panose="02020603050405020304" pitchFamily="18" charset="0"/>
-                <a:cs typeface="Times New Roman" panose="02020603050405020304" pitchFamily="18" charset="0"/>
-              </a:rPr>
-              <a:t>tham</a:t>
-            </a:r>
-            <a:r>
-              <a:rPr lang="en-US" dirty="0">
-                <a:latin typeface="Times New Roman" panose="02020603050405020304" pitchFamily="18" charset="0"/>
-                <a:cs typeface="Times New Roman" panose="02020603050405020304" pitchFamily="18" charset="0"/>
-              </a:rPr>
-              <a:t> </a:t>
-            </a:r>
-            <a:r>
-              <a:rPr lang="en-US" dirty="0" err="1">
-                <a:latin typeface="Times New Roman" panose="02020603050405020304" pitchFamily="18" charset="0"/>
-                <a:cs typeface="Times New Roman" panose="02020603050405020304" pitchFamily="18" charset="0"/>
-              </a:rPr>
-              <a:t>gia</a:t>
-            </a:r>
-            <a:r>
-              <a:rPr lang="en-US" dirty="0">
-                <a:latin typeface="Times New Roman" panose="02020603050405020304" pitchFamily="18" charset="0"/>
-                <a:cs typeface="Times New Roman" panose="02020603050405020304" pitchFamily="18" charset="0"/>
-              </a:rPr>
-              <a:t> </a:t>
-            </a:r>
-            <a:r>
-              <a:rPr lang="en-US" dirty="0" err="1">
-                <a:latin typeface="Times New Roman" panose="02020603050405020304" pitchFamily="18" charset="0"/>
-                <a:cs typeface="Times New Roman" panose="02020603050405020304" pitchFamily="18" charset="0"/>
-              </a:rPr>
-              <a:t>vào</a:t>
-            </a:r>
-            <a:r>
-              <a:rPr lang="en-US" dirty="0">
-                <a:latin typeface="Times New Roman" panose="02020603050405020304" pitchFamily="18" charset="0"/>
-                <a:cs typeface="Times New Roman" panose="02020603050405020304" pitchFamily="18" charset="0"/>
-              </a:rPr>
-              <a:t> </a:t>
-            </a:r>
-            <a:r>
-              <a:rPr lang="en-US" dirty="0" err="1">
-                <a:latin typeface="Times New Roman" panose="02020603050405020304" pitchFamily="18" charset="0"/>
-                <a:cs typeface="Times New Roman" panose="02020603050405020304" pitchFamily="18" charset="0"/>
-              </a:rPr>
-              <a:t>trang</a:t>
-            </a:r>
-            <a:r>
-              <a:rPr lang="en-US" dirty="0">
-                <a:latin typeface="Times New Roman" panose="02020603050405020304" pitchFamily="18" charset="0"/>
-                <a:cs typeface="Times New Roman" panose="02020603050405020304" pitchFamily="18" charset="0"/>
-              </a:rPr>
-              <a:t> web</a:t>
-            </a:r>
-          </a:p>
-          <a:p>
-            <a:pPr marL="404813" indent="-123825">
-              <a:buFont typeface="Arial" panose="020B0604020202020204" pitchFamily="34" charset="0"/>
-              <a:buChar char="•"/>
-            </a:pPr>
-            <a:r>
-              <a:rPr lang="en-US">
-                <a:latin typeface="Times New Roman" panose="02020603050405020304" pitchFamily="18" charset="0"/>
-                <a:cs typeface="Times New Roman" panose="02020603050405020304" pitchFamily="18" charset="0"/>
-              </a:rPr>
-              <a:t>	</a:t>
-            </a:r>
-            <a:r>
-              <a:rPr lang="en-US" dirty="0" err="1">
-                <a:latin typeface="Times New Roman" panose="02020603050405020304" pitchFamily="18" charset="0"/>
-                <a:cs typeface="Times New Roman" panose="02020603050405020304" pitchFamily="18" charset="0"/>
-              </a:rPr>
-              <a:t>D</a:t>
-            </a:r>
-            <a:r>
               <a:rPr lang="en-US" smtClean="0">
                 <a:latin typeface="Times New Roman" panose="02020603050405020304" pitchFamily="18" charset="0"/>
                 <a:cs typeface="Times New Roman" panose="02020603050405020304" pitchFamily="18" charset="0"/>
               </a:rPr>
-              <a:t>uyệt </a:t>
-            </a:r>
-            <a:r>
-              <a:rPr lang="en-US" dirty="0" err="1">
-                <a:latin typeface="Times New Roman" panose="02020603050405020304" pitchFamily="18" charset="0"/>
-                <a:cs typeface="Times New Roman" panose="02020603050405020304" pitchFamily="18" charset="0"/>
-              </a:rPr>
-              <a:t>các</a:t>
-            </a:r>
-            <a:r>
-              <a:rPr lang="en-US" dirty="0">
-                <a:latin typeface="Times New Roman" panose="02020603050405020304" pitchFamily="18" charset="0"/>
-                <a:cs typeface="Times New Roman" panose="02020603050405020304" pitchFamily="18" charset="0"/>
-              </a:rPr>
-              <a:t> </a:t>
-            </a:r>
-            <a:r>
-              <a:rPr lang="en-US" dirty="0" err="1">
-                <a:latin typeface="Times New Roman" panose="02020603050405020304" pitchFamily="18" charset="0"/>
-                <a:cs typeface="Times New Roman" panose="02020603050405020304" pitchFamily="18" charset="0"/>
-              </a:rPr>
-              <a:t>đơn</a:t>
-            </a:r>
-            <a:r>
-              <a:rPr lang="en-US" dirty="0">
-                <a:latin typeface="Times New Roman" panose="02020603050405020304" pitchFamily="18" charset="0"/>
-                <a:cs typeface="Times New Roman" panose="02020603050405020304" pitchFamily="18" charset="0"/>
-              </a:rPr>
-              <a:t> hang </a:t>
-            </a:r>
-            <a:r>
-              <a:rPr lang="en-US" dirty="0" err="1">
-                <a:latin typeface="Times New Roman" panose="02020603050405020304" pitchFamily="18" charset="0"/>
-                <a:cs typeface="Times New Roman" panose="02020603050405020304" pitchFamily="18" charset="0"/>
-              </a:rPr>
-              <a:t>khách</a:t>
-            </a:r>
-            <a:r>
-              <a:rPr lang="en-US" dirty="0">
-                <a:latin typeface="Times New Roman" panose="02020603050405020304" pitchFamily="18" charset="0"/>
-                <a:cs typeface="Times New Roman" panose="02020603050405020304" pitchFamily="18" charset="0"/>
-              </a:rPr>
-              <a:t> hang </a:t>
-            </a:r>
-            <a:r>
-              <a:rPr lang="en-US" dirty="0" err="1">
-                <a:latin typeface="Times New Roman" panose="02020603050405020304" pitchFamily="18" charset="0"/>
-                <a:cs typeface="Times New Roman" panose="02020603050405020304" pitchFamily="18" charset="0"/>
-              </a:rPr>
-              <a:t>đặt</a:t>
+              <a:t>Check đơn hàng và kiểm tra đơn hàng</a:t>
             </a:r>
             <a:endParaRPr lang="en-US" dirty="0">
               <a:latin typeface="Times New Roman" panose="02020603050405020304" pitchFamily="18" charset="0"/>
